--- a/Ignite_ppt.pptx
+++ b/Ignite_ppt.pptx
@@ -16,6 +16,10 @@
     <p:sldId id="264" r:id="rId10"/>
     <p:sldId id="266" r:id="rId11"/>
     <p:sldId id="265" r:id="rId12"/>
+    <p:sldId id="268" r:id="rId13"/>
+    <p:sldId id="267" r:id="rId14"/>
+    <p:sldId id="269" r:id="rId15"/>
+    <p:sldId id="270" r:id="rId16"/>
   </p:sldIdLst>
   <p:sldSz cx="12192000" cy="6858000"/>
   <p:notesSz cx="6858000" cy="9144000"/>
@@ -3123,7 +3127,25 @@
             </a:r>
           </a:p>
           <a:p>
-            <a:endParaRPr lang="en-US"/>
+            <a:r>
+              <a:rPr lang="en-US" dirty="0"/>
+              <a:t>Another more viable approach: reduce the training list to “10000” rows.</a:t>
+            </a:r>
+          </a:p>
+          <a:p>
+            <a:r>
+              <a:rPr lang="en-US" dirty="0"/>
+              <a:t>These rows are the result of binding head(5000) and tail(5000) of a descending ordered list of original training data.</a:t>
+            </a:r>
+          </a:p>
+          <a:p>
+            <a:r>
+              <a:rPr lang="en-US" dirty="0"/>
+              <a:t>The testing data is then divided into chunks of 10000 rows for applying the trained model.  </a:t>
+            </a:r>
+          </a:p>
+          <a:p>
+            <a:endParaRPr lang="en-US" dirty="0"/>
           </a:p>
         </p:txBody>
       </p:sp>
@@ -3191,7 +3213,9 @@
         </p:nvSpPr>
         <p:spPr/>
         <p:txBody>
-          <a:bodyPr/>
+          <a:bodyPr>
+            <a:normAutofit fontScale="92500" lnSpcReduction="10000"/>
+          </a:bodyPr>
           <a:lstStyle/>
           <a:p>
             <a:r>
@@ -3218,12 +3242,23 @@
             </a:r>
           </a:p>
           <a:p>
-            <a:endParaRPr lang="en-US" dirty="0"/>
+            <a:pPr lvl="1"/>
+            <a:r>
+              <a:rPr lang="en-US" dirty="0"/>
+              <a:t>The chunking as explained earlier is performed on this set</a:t>
+            </a:r>
           </a:p>
           <a:p>
             <a:r>
               <a:rPr lang="en-US" dirty="0"/>
               <a:t>The second set acts as our test set (The rest of the data)</a:t>
+            </a:r>
+          </a:p>
+          <a:p>
+            <a:pPr lvl="1"/>
+            <a:r>
+              <a:rPr lang="en-US" dirty="0"/>
+              <a:t>This is stripped off the response variable and chunked into sets of 10000 rows to run the prediction models on.</a:t>
             </a:r>
           </a:p>
         </p:txBody>
@@ -3232,6 +3267,530 @@
     <p:extLst>
       <p:ext uri="{BB962C8B-B14F-4D97-AF65-F5344CB8AC3E}">
         <p14:creationId xmlns:p14="http://schemas.microsoft.com/office/powerpoint/2010/main" val="3686261091"/>
+      </p:ext>
+    </p:extLst>
+  </p:cSld>
+  <p:clrMapOvr>
+    <a:masterClrMapping/>
+  </p:clrMapOvr>
+</p:sld>
+</file>
+
+<file path=ppt/slides/slide12.xml><?xml version="1.0" encoding="utf-8"?>
+<p:sld xmlns:a="http://schemas.openxmlformats.org/drawingml/2006/main" xmlns:r="http://schemas.openxmlformats.org/officeDocument/2006/relationships" xmlns:p="http://schemas.openxmlformats.org/presentationml/2006/main">
+  <p:cSld>
+    <p:spTree>
+      <p:nvGrpSpPr>
+        <p:cNvPr id="1" name=""/>
+        <p:cNvGrpSpPr/>
+        <p:nvPr/>
+      </p:nvGrpSpPr>
+      <p:grpSpPr>
+        <a:xfrm>
+          <a:off x="0" y="0"/>
+          <a:ext cx="0" cy="0"/>
+          <a:chOff x="0" y="0"/>
+          <a:chExt cx="0" cy="0"/>
+        </a:xfrm>
+      </p:grpSpPr>
+      <p:sp>
+        <p:nvSpPr>
+          <p:cNvPr id="2" name="Title 1"/>
+          <p:cNvSpPr>
+            <a:spLocks noGrp="1"/>
+          </p:cNvSpPr>
+          <p:nvPr>
+            <p:ph type="title"/>
+          </p:nvPr>
+        </p:nvSpPr>
+        <p:spPr/>
+        <p:txBody>
+          <a:bodyPr/>
+          <a:lstStyle/>
+          <a:p>
+            <a:r>
+              <a:rPr lang="en-US" dirty="0"/>
+              <a:t>True Positives</a:t>
+            </a:r>
+          </a:p>
+        </p:txBody>
+      </p:sp>
+      <p:sp>
+        <p:nvSpPr>
+          <p:cNvPr id="3" name="Content Placeholder 2"/>
+          <p:cNvSpPr>
+            <a:spLocks noGrp="1"/>
+          </p:cNvSpPr>
+          <p:nvPr>
+            <p:ph idx="1"/>
+          </p:nvPr>
+        </p:nvSpPr>
+        <p:spPr/>
+        <p:txBody>
+          <a:bodyPr>
+            <a:normAutofit fontScale="92500"/>
+          </a:bodyPr>
+          <a:lstStyle/>
+          <a:p>
+            <a:r>
+              <a:rPr lang="en-US" dirty="0"/>
+              <a:t>Since we don’t have a very efficient way to exactly determine the specific counts, we use a novel idea to improve accuracy of predictions.</a:t>
+            </a:r>
+          </a:p>
+          <a:p>
+            <a:r>
+              <a:rPr lang="en-US" dirty="0"/>
+              <a:t>We define the true positives to be a range of values.</a:t>
+            </a:r>
+          </a:p>
+          <a:p>
+            <a:r>
+              <a:rPr lang="en-US" dirty="0"/>
+              <a:t>Earlier, TP &lt;- result == actual</a:t>
+            </a:r>
+          </a:p>
+          <a:p>
+            <a:r>
+              <a:rPr lang="en-US" dirty="0"/>
+              <a:t>Using the new idea, TP &lt;- (result &gt;= (actual -2)) &amp;&amp; (result &lt;= (actual +2)) </a:t>
+            </a:r>
+          </a:p>
+          <a:p>
+            <a:r>
+              <a:rPr lang="en-US" dirty="0"/>
+              <a:t>This considerably brings up the accuracy</a:t>
+            </a:r>
+          </a:p>
+          <a:p>
+            <a:r>
+              <a:rPr lang="en-US" dirty="0"/>
+              <a:t>It also helps in better estimation of the number of bikes at a given station on a given day at a given time since we estimate more than the actual value.</a:t>
+            </a:r>
+          </a:p>
+        </p:txBody>
+      </p:sp>
+    </p:spTree>
+    <p:extLst>
+      <p:ext uri="{BB962C8B-B14F-4D97-AF65-F5344CB8AC3E}">
+        <p14:creationId xmlns:p14="http://schemas.microsoft.com/office/powerpoint/2010/main" val="1938427879"/>
+      </p:ext>
+    </p:extLst>
+  </p:cSld>
+  <p:clrMapOvr>
+    <a:masterClrMapping/>
+  </p:clrMapOvr>
+</p:sld>
+</file>
+
+<file path=ppt/slides/slide13.xml><?xml version="1.0" encoding="utf-8"?>
+<p:sld xmlns:a="http://schemas.openxmlformats.org/drawingml/2006/main" xmlns:r="http://schemas.openxmlformats.org/officeDocument/2006/relationships" xmlns:p="http://schemas.openxmlformats.org/presentationml/2006/main">
+  <p:cSld>
+    <p:spTree>
+      <p:nvGrpSpPr>
+        <p:cNvPr id="1" name=""/>
+        <p:cNvGrpSpPr/>
+        <p:nvPr/>
+      </p:nvGrpSpPr>
+      <p:grpSpPr>
+        <a:xfrm>
+          <a:off x="0" y="0"/>
+          <a:ext cx="0" cy="0"/>
+          <a:chOff x="0" y="0"/>
+          <a:chExt cx="0" cy="0"/>
+        </a:xfrm>
+      </p:grpSpPr>
+      <p:sp>
+        <p:nvSpPr>
+          <p:cNvPr id="2" name="Title 1"/>
+          <p:cNvSpPr>
+            <a:spLocks noGrp="1"/>
+          </p:cNvSpPr>
+          <p:nvPr>
+            <p:ph type="title"/>
+          </p:nvPr>
+        </p:nvSpPr>
+        <p:spPr/>
+        <p:txBody>
+          <a:bodyPr/>
+          <a:lstStyle/>
+          <a:p>
+            <a:r>
+              <a:rPr lang="en-US" dirty="0"/>
+              <a:t>Models</a:t>
+            </a:r>
+          </a:p>
+        </p:txBody>
+      </p:sp>
+      <p:sp>
+        <p:nvSpPr>
+          <p:cNvPr id="3" name="Content Placeholder 2"/>
+          <p:cNvSpPr>
+            <a:spLocks noGrp="1"/>
+          </p:cNvSpPr>
+          <p:nvPr>
+            <p:ph idx="1"/>
+          </p:nvPr>
+        </p:nvSpPr>
+        <p:spPr/>
+        <p:txBody>
+          <a:bodyPr/>
+          <a:lstStyle/>
+          <a:p>
+            <a:r>
+              <a:rPr lang="en-US" dirty="0"/>
+              <a:t>Linear regression</a:t>
+            </a:r>
+          </a:p>
+          <a:p>
+            <a:pPr lvl="1"/>
+            <a:r>
+              <a:rPr lang="en-US" dirty="0"/>
+              <a:t>This model returns the most basic regression results.</a:t>
+            </a:r>
+          </a:p>
+          <a:p>
+            <a:pPr lvl="1"/>
+            <a:endParaRPr lang="en-US" dirty="0"/>
+          </a:p>
+          <a:p>
+            <a:pPr lvl="1"/>
+            <a:r>
+              <a:rPr lang="en-US" dirty="0"/>
+              <a:t>The variables are all of first order:</a:t>
+            </a:r>
+          </a:p>
+          <a:p>
+            <a:pPr lvl="2"/>
+            <a:r>
+              <a:rPr lang="en-US" dirty="0"/>
+              <a:t>lm(</a:t>
+            </a:r>
+            <a:r>
+              <a:rPr lang="en-US" dirty="0" err="1"/>
+              <a:t>y~StationId+Month+Day+StartHour+StopHour,data</a:t>
+            </a:r>
+            <a:r>
+              <a:rPr lang="en-US" dirty="0"/>
+              <a:t> = training)</a:t>
+            </a:r>
+          </a:p>
+          <a:p>
+            <a:pPr marL="1371600" lvl="3" indent="0">
+              <a:buNone/>
+            </a:pPr>
+            <a:endParaRPr lang="en-US" dirty="0"/>
+          </a:p>
+          <a:p>
+            <a:pPr lvl="1"/>
+            <a:r>
+              <a:rPr lang="en-US" dirty="0"/>
+              <a:t>Based on the True Positives from the previous slide, final predictions give us an accuracy of:</a:t>
+            </a:r>
+          </a:p>
+          <a:p>
+            <a:pPr lvl="2"/>
+            <a:r>
+              <a:rPr lang="en-US" dirty="0"/>
+              <a:t>78.58% 	</a:t>
+            </a:r>
+          </a:p>
+          <a:p>
+            <a:pPr lvl="1"/>
+            <a:r>
+              <a:rPr lang="en-US" dirty="0"/>
+              <a:t>It works as our baseline for prediction</a:t>
+            </a:r>
+          </a:p>
+        </p:txBody>
+      </p:sp>
+    </p:spTree>
+    <p:extLst>
+      <p:ext uri="{BB962C8B-B14F-4D97-AF65-F5344CB8AC3E}">
+        <p14:creationId xmlns:p14="http://schemas.microsoft.com/office/powerpoint/2010/main" val="2110297268"/>
+      </p:ext>
+    </p:extLst>
+  </p:cSld>
+  <p:clrMapOvr>
+    <a:masterClrMapping/>
+  </p:clrMapOvr>
+</p:sld>
+</file>
+
+<file path=ppt/slides/slide14.xml><?xml version="1.0" encoding="utf-8"?>
+<p:sld xmlns:a="http://schemas.openxmlformats.org/drawingml/2006/main" xmlns:r="http://schemas.openxmlformats.org/officeDocument/2006/relationships" xmlns:p="http://schemas.openxmlformats.org/presentationml/2006/main">
+  <p:cSld>
+    <p:spTree>
+      <p:nvGrpSpPr>
+        <p:cNvPr id="1" name=""/>
+        <p:cNvGrpSpPr/>
+        <p:nvPr/>
+      </p:nvGrpSpPr>
+      <p:grpSpPr>
+        <a:xfrm>
+          <a:off x="0" y="0"/>
+          <a:ext cx="0" cy="0"/>
+          <a:chOff x="0" y="0"/>
+          <a:chExt cx="0" cy="0"/>
+        </a:xfrm>
+      </p:grpSpPr>
+      <p:sp>
+        <p:nvSpPr>
+          <p:cNvPr id="2" name="Title 1"/>
+          <p:cNvSpPr>
+            <a:spLocks noGrp="1"/>
+          </p:cNvSpPr>
+          <p:nvPr>
+            <p:ph type="title"/>
+          </p:nvPr>
+        </p:nvSpPr>
+        <p:spPr/>
+        <p:txBody>
+          <a:bodyPr/>
+          <a:lstStyle/>
+          <a:p>
+            <a:r>
+              <a:rPr lang="en-US" dirty="0"/>
+              <a:t>Models (contd..)</a:t>
+            </a:r>
+          </a:p>
+        </p:txBody>
+      </p:sp>
+      <p:sp>
+        <p:nvSpPr>
+          <p:cNvPr id="3" name="Content Placeholder 2"/>
+          <p:cNvSpPr>
+            <a:spLocks noGrp="1"/>
+          </p:cNvSpPr>
+          <p:nvPr>
+            <p:ph idx="1"/>
+          </p:nvPr>
+        </p:nvSpPr>
+        <p:spPr/>
+        <p:txBody>
+          <a:bodyPr>
+            <a:normAutofit lnSpcReduction="10000"/>
+          </a:bodyPr>
+          <a:lstStyle/>
+          <a:p>
+            <a:r>
+              <a:rPr lang="en-US" dirty="0"/>
+              <a:t>Polynomial regression</a:t>
+            </a:r>
+          </a:p>
+          <a:p>
+            <a:pPr lvl="1"/>
+            <a:r>
+              <a:rPr lang="en-US" dirty="0"/>
+              <a:t>This model provides a slightly lower performing fit in data with 2</a:t>
+            </a:r>
+            <a:r>
+              <a:rPr lang="en-US" baseline="30000" dirty="0"/>
+              <a:t>nd</a:t>
+            </a:r>
+            <a:r>
+              <a:rPr lang="en-US" dirty="0"/>
+              <a:t> order variables in addition to what we had in the linear regression model.</a:t>
+            </a:r>
+          </a:p>
+          <a:p>
+            <a:pPr lvl="1"/>
+            <a:endParaRPr lang="en-US" dirty="0"/>
+          </a:p>
+          <a:p>
+            <a:pPr lvl="1"/>
+            <a:r>
+              <a:rPr lang="en-US" dirty="0"/>
+              <a:t>The variables are of first as well as second order:</a:t>
+            </a:r>
+          </a:p>
+          <a:p>
+            <a:pPr lvl="2"/>
+            <a:r>
+              <a:rPr lang="en-US" dirty="0"/>
+              <a:t>lm(</a:t>
+            </a:r>
+            <a:r>
+              <a:rPr lang="en-US" dirty="0" err="1"/>
+              <a:t>y~StationId+Month+Day+StartHour+StopHour+I</a:t>
+            </a:r>
+            <a:r>
+              <a:rPr lang="en-US" dirty="0"/>
+              <a:t>(Month^2)+I(Day^2)+I(StartHour^2)+I(StopHour^2),data = training)</a:t>
+            </a:r>
+          </a:p>
+          <a:p>
+            <a:pPr lvl="1"/>
+            <a:r>
+              <a:rPr lang="en-US" dirty="0"/>
+              <a:t>Based on the True Positives from the previous slide, final predictions give us an accuracy of:</a:t>
+            </a:r>
+          </a:p>
+          <a:p>
+            <a:pPr lvl="2"/>
+            <a:r>
+              <a:rPr lang="en-US" dirty="0"/>
+              <a:t>73.08%	</a:t>
+            </a:r>
+          </a:p>
+          <a:p>
+            <a:pPr lvl="1"/>
+            <a:r>
+              <a:rPr lang="en-US" dirty="0"/>
+              <a:t>This gives us a decrease in accuracy of 5.5% as compared to our linear baseline.</a:t>
+            </a:r>
+          </a:p>
+          <a:p>
+            <a:endParaRPr lang="en-US" dirty="0"/>
+          </a:p>
+        </p:txBody>
+      </p:sp>
+    </p:spTree>
+    <p:extLst>
+      <p:ext uri="{BB962C8B-B14F-4D97-AF65-F5344CB8AC3E}">
+        <p14:creationId xmlns:p14="http://schemas.microsoft.com/office/powerpoint/2010/main" val="4264113592"/>
+      </p:ext>
+    </p:extLst>
+  </p:cSld>
+  <p:clrMapOvr>
+    <a:masterClrMapping/>
+  </p:clrMapOvr>
+</p:sld>
+</file>
+
+<file path=ppt/slides/slide15.xml><?xml version="1.0" encoding="utf-8"?>
+<p:sld xmlns:a="http://schemas.openxmlformats.org/drawingml/2006/main" xmlns:r="http://schemas.openxmlformats.org/officeDocument/2006/relationships" xmlns:p="http://schemas.openxmlformats.org/presentationml/2006/main">
+  <p:cSld>
+    <p:spTree>
+      <p:nvGrpSpPr>
+        <p:cNvPr id="1" name=""/>
+        <p:cNvGrpSpPr/>
+        <p:nvPr/>
+      </p:nvGrpSpPr>
+      <p:grpSpPr>
+        <a:xfrm>
+          <a:off x="0" y="0"/>
+          <a:ext cx="0" cy="0"/>
+          <a:chOff x="0" y="0"/>
+          <a:chExt cx="0" cy="0"/>
+        </a:xfrm>
+      </p:grpSpPr>
+      <p:sp>
+        <p:nvSpPr>
+          <p:cNvPr id="2" name="Title 1"/>
+          <p:cNvSpPr>
+            <a:spLocks noGrp="1"/>
+          </p:cNvSpPr>
+          <p:nvPr>
+            <p:ph type="title"/>
+          </p:nvPr>
+        </p:nvSpPr>
+        <p:spPr/>
+        <p:txBody>
+          <a:bodyPr/>
+          <a:lstStyle/>
+          <a:p>
+            <a:r>
+              <a:rPr lang="en-US" dirty="0"/>
+              <a:t>Models (contd..)</a:t>
+            </a:r>
+          </a:p>
+        </p:txBody>
+      </p:sp>
+      <p:sp>
+        <p:nvSpPr>
+          <p:cNvPr id="3" name="Content Placeholder 2"/>
+          <p:cNvSpPr>
+            <a:spLocks noGrp="1"/>
+          </p:cNvSpPr>
+          <p:nvPr>
+            <p:ph idx="1"/>
+          </p:nvPr>
+        </p:nvSpPr>
+        <p:spPr/>
+        <p:txBody>
+          <a:bodyPr/>
+          <a:lstStyle/>
+          <a:p>
+            <a:r>
+              <a:rPr lang="en-US" dirty="0"/>
+              <a:t>Polynomial regression</a:t>
+            </a:r>
+          </a:p>
+          <a:p>
+            <a:pPr lvl="1"/>
+            <a:r>
+              <a:rPr lang="en-US" dirty="0"/>
+              <a:t>This model’s performance decreases drastically as compared to the other two models.</a:t>
+            </a:r>
+          </a:p>
+          <a:p>
+            <a:pPr lvl="1"/>
+            <a:r>
+              <a:rPr lang="en-US" dirty="0"/>
+              <a:t>The variables are </a:t>
+            </a:r>
+            <a:r>
+              <a:rPr lang="en-US" dirty="0" err="1"/>
+              <a:t>upto</a:t>
+            </a:r>
+            <a:r>
+              <a:rPr lang="en-US" dirty="0"/>
+              <a:t> the 3</a:t>
+            </a:r>
+            <a:r>
+              <a:rPr lang="en-US" baseline="30000" dirty="0"/>
+              <a:t>rd</a:t>
+            </a:r>
+            <a:r>
+              <a:rPr lang="en-US" dirty="0"/>
+              <a:t> order:</a:t>
+            </a:r>
+          </a:p>
+          <a:p>
+            <a:pPr lvl="2"/>
+            <a:r>
+              <a:rPr lang="en-US" dirty="0"/>
+              <a:t>lm(</a:t>
+            </a:r>
+            <a:r>
+              <a:rPr lang="en-US" dirty="0" err="1"/>
+              <a:t>y~StationId+Month+Day+StartHour+StopHour+I</a:t>
+            </a:r>
+            <a:r>
+              <a:rPr lang="en-US" dirty="0"/>
+              <a:t>(Month^2)+I(Day^2)+I(StartHour^2)+I(StopHour^2)+I(Month^3)+I(Day^3)+I(StartHour^3)+I(StopHour^3),data = training)</a:t>
+            </a:r>
+          </a:p>
+          <a:p>
+            <a:pPr lvl="1"/>
+            <a:r>
+              <a:rPr lang="en-US" dirty="0"/>
+              <a:t>Based on the True Positives from the previous slide, final predictions give us an accuracy of:</a:t>
+            </a:r>
+          </a:p>
+          <a:p>
+            <a:pPr lvl="2"/>
+            <a:r>
+              <a:rPr lang="en-US" dirty="0"/>
+              <a:t>42.03%	</a:t>
+            </a:r>
+          </a:p>
+          <a:p>
+            <a:pPr lvl="1"/>
+            <a:r>
+              <a:rPr lang="en-US" dirty="0"/>
+              <a:t>This drastic drop in accuracy renders further use of nonlinear models unusable.</a:t>
+            </a:r>
+          </a:p>
+          <a:p>
+            <a:endParaRPr lang="en-US" dirty="0"/>
+          </a:p>
+        </p:txBody>
+      </p:sp>
+    </p:spTree>
+    <p:extLst>
+      <p:ext uri="{BB962C8B-B14F-4D97-AF65-F5344CB8AC3E}">
+        <p14:creationId xmlns:p14="http://schemas.microsoft.com/office/powerpoint/2010/main" val="3469986035"/>
       </p:ext>
     </p:extLst>
   </p:cSld>

--- a/Ignite_ppt.pptx
+++ b/Ignite_ppt.pptx
@@ -4,6 +4,9 @@
   <p:sldMasterIdLst>
     <p:sldMasterId id="2147483750" r:id="rId1"/>
   </p:sldMasterIdLst>
+  <p:notesMasterIdLst>
+    <p:notesMasterId r:id="rId22"/>
+  </p:notesMasterIdLst>
   <p:sldIdLst>
     <p:sldId id="256" r:id="rId2"/>
     <p:sldId id="257" r:id="rId3"/>
@@ -20,6 +23,11 @@
     <p:sldId id="267" r:id="rId14"/>
     <p:sldId id="269" r:id="rId15"/>
     <p:sldId id="270" r:id="rId16"/>
+    <p:sldId id="271" r:id="rId17"/>
+    <p:sldId id="272" r:id="rId18"/>
+    <p:sldId id="273" r:id="rId19"/>
+    <p:sldId id="274" r:id="rId20"/>
+    <p:sldId id="275" r:id="rId21"/>
   </p:sldIdLst>
   <p:sldSz cx="12192000" cy="6858000"/>
   <p:notesSz cx="6858000" cy="9144000"/>
@@ -118,7 +126,583 @@
       </a:defRPr>
     </a:lvl9pPr>
   </p:defaultTextStyle>
+  <p:extLst>
+    <p:ext uri="{EFAFB233-063F-42B5-8137-9DF3F51BA10A}">
+      <p15:sldGuideLst xmlns:p15="http://schemas.microsoft.com/office/powerpoint/2012/main"/>
+    </p:ext>
+  </p:extLst>
 </p:presentation>
+</file>
+
+<file path=ppt/notesMasters/notesMaster1.xml><?xml version="1.0" encoding="utf-8"?>
+<p:notesMaster xmlns:a="http://schemas.openxmlformats.org/drawingml/2006/main" xmlns:r="http://schemas.openxmlformats.org/officeDocument/2006/relationships" xmlns:p="http://schemas.openxmlformats.org/presentationml/2006/main">
+  <p:cSld>
+    <p:bg>
+      <p:bgRef idx="1001">
+        <a:schemeClr val="bg1"/>
+      </p:bgRef>
+    </p:bg>
+    <p:spTree>
+      <p:nvGrpSpPr>
+        <p:cNvPr id="1" name=""/>
+        <p:cNvGrpSpPr/>
+        <p:nvPr/>
+      </p:nvGrpSpPr>
+      <p:grpSpPr>
+        <a:xfrm>
+          <a:off x="0" y="0"/>
+          <a:ext cx="0" cy="0"/>
+          <a:chOff x="0" y="0"/>
+          <a:chExt cx="0" cy="0"/>
+        </a:xfrm>
+      </p:grpSpPr>
+      <p:sp>
+        <p:nvSpPr>
+          <p:cNvPr id="2" name="Header Placeholder 1"/>
+          <p:cNvSpPr>
+            <a:spLocks noGrp="1"/>
+          </p:cNvSpPr>
+          <p:nvPr>
+            <p:ph type="hdr" sz="quarter"/>
+          </p:nvPr>
+        </p:nvSpPr>
+        <p:spPr>
+          <a:xfrm>
+            <a:off x="0" y="0"/>
+            <a:ext cx="2971800" cy="458788"/>
+          </a:xfrm>
+          <a:prstGeom prst="rect">
+            <a:avLst/>
+          </a:prstGeom>
+        </p:spPr>
+        <p:txBody>
+          <a:bodyPr vert="horz" lIns="91440" tIns="45720" rIns="91440" bIns="45720" rtlCol="0"/>
+          <a:lstStyle>
+            <a:lvl1pPr algn="l">
+              <a:defRPr sz="1200"/>
+            </a:lvl1pPr>
+          </a:lstStyle>
+          <a:p>
+            <a:endParaRPr lang="en-US"/>
+          </a:p>
+        </p:txBody>
+      </p:sp>
+      <p:sp>
+        <p:nvSpPr>
+          <p:cNvPr id="3" name="Date Placeholder 2"/>
+          <p:cNvSpPr>
+            <a:spLocks noGrp="1"/>
+          </p:cNvSpPr>
+          <p:nvPr>
+            <p:ph type="dt" idx="1"/>
+          </p:nvPr>
+        </p:nvSpPr>
+        <p:spPr>
+          <a:xfrm>
+            <a:off x="3884613" y="0"/>
+            <a:ext cx="2971800" cy="458788"/>
+          </a:xfrm>
+          <a:prstGeom prst="rect">
+            <a:avLst/>
+          </a:prstGeom>
+        </p:spPr>
+        <p:txBody>
+          <a:bodyPr vert="horz" lIns="91440" tIns="45720" rIns="91440" bIns="45720" rtlCol="0"/>
+          <a:lstStyle>
+            <a:lvl1pPr algn="r">
+              <a:defRPr sz="1200"/>
+            </a:lvl1pPr>
+          </a:lstStyle>
+          <a:p>
+            <a:fld id="{4EBD7EFD-D165-4D92-9E01-623AC0E44118}" type="datetimeFigureOut">
+              <a:rPr lang="en-US" smtClean="0"/>
+              <a:t>4/18/2016</a:t>
+            </a:fld>
+            <a:endParaRPr lang="en-US"/>
+          </a:p>
+        </p:txBody>
+      </p:sp>
+      <p:sp>
+        <p:nvSpPr>
+          <p:cNvPr id="4" name="Slide Image Placeholder 3"/>
+          <p:cNvSpPr>
+            <a:spLocks noGrp="1" noRot="1" noChangeAspect="1"/>
+          </p:cNvSpPr>
+          <p:nvPr>
+            <p:ph type="sldImg" idx="2"/>
+          </p:nvPr>
+        </p:nvSpPr>
+        <p:spPr>
+          <a:xfrm>
+            <a:off x="685800" y="1143000"/>
+            <a:ext cx="5486400" cy="3086100"/>
+          </a:xfrm>
+          <a:prstGeom prst="rect">
+            <a:avLst/>
+          </a:prstGeom>
+          <a:noFill/>
+          <a:ln w="12700">
+            <a:solidFill>
+              <a:prstClr val="black"/>
+            </a:solidFill>
+          </a:ln>
+        </p:spPr>
+        <p:txBody>
+          <a:bodyPr vert="horz" lIns="91440" tIns="45720" rIns="91440" bIns="45720" rtlCol="0" anchor="ctr"/>
+          <a:lstStyle/>
+          <a:p>
+            <a:endParaRPr lang="en-US"/>
+          </a:p>
+        </p:txBody>
+      </p:sp>
+      <p:sp>
+        <p:nvSpPr>
+          <p:cNvPr id="5" name="Notes Placeholder 4"/>
+          <p:cNvSpPr>
+            <a:spLocks noGrp="1"/>
+          </p:cNvSpPr>
+          <p:nvPr>
+            <p:ph type="body" sz="quarter" idx="3"/>
+          </p:nvPr>
+        </p:nvSpPr>
+        <p:spPr>
+          <a:xfrm>
+            <a:off x="685800" y="4400550"/>
+            <a:ext cx="5486400" cy="3600450"/>
+          </a:xfrm>
+          <a:prstGeom prst="rect">
+            <a:avLst/>
+          </a:prstGeom>
+        </p:spPr>
+        <p:txBody>
+          <a:bodyPr vert="horz" lIns="91440" tIns="45720" rIns="91440" bIns="45720" rtlCol="0"/>
+          <a:lstStyle/>
+          <a:p>
+            <a:pPr lvl="0"/>
+            <a:r>
+              <a:rPr lang="en-US"/>
+              <a:t>Edit Master text styles</a:t>
+            </a:r>
+          </a:p>
+          <a:p>
+            <a:pPr lvl="1"/>
+            <a:r>
+              <a:rPr lang="en-US"/>
+              <a:t>Second level</a:t>
+            </a:r>
+          </a:p>
+          <a:p>
+            <a:pPr lvl="2"/>
+            <a:r>
+              <a:rPr lang="en-US"/>
+              <a:t>Third level</a:t>
+            </a:r>
+          </a:p>
+          <a:p>
+            <a:pPr lvl="3"/>
+            <a:r>
+              <a:rPr lang="en-US"/>
+              <a:t>Fourth level</a:t>
+            </a:r>
+          </a:p>
+          <a:p>
+            <a:pPr lvl="4"/>
+            <a:r>
+              <a:rPr lang="en-US"/>
+              <a:t>Fifth level</a:t>
+            </a:r>
+            <a:endParaRPr lang="en-US"/>
+          </a:p>
+        </p:txBody>
+      </p:sp>
+      <p:sp>
+        <p:nvSpPr>
+          <p:cNvPr id="6" name="Footer Placeholder 5"/>
+          <p:cNvSpPr>
+            <a:spLocks noGrp="1"/>
+          </p:cNvSpPr>
+          <p:nvPr>
+            <p:ph type="ftr" sz="quarter" idx="4"/>
+          </p:nvPr>
+        </p:nvSpPr>
+        <p:spPr>
+          <a:xfrm>
+            <a:off x="0" y="8685213"/>
+            <a:ext cx="2971800" cy="458787"/>
+          </a:xfrm>
+          <a:prstGeom prst="rect">
+            <a:avLst/>
+          </a:prstGeom>
+        </p:spPr>
+        <p:txBody>
+          <a:bodyPr vert="horz" lIns="91440" tIns="45720" rIns="91440" bIns="45720" rtlCol="0" anchor="b"/>
+          <a:lstStyle>
+            <a:lvl1pPr algn="l">
+              <a:defRPr sz="1200"/>
+            </a:lvl1pPr>
+          </a:lstStyle>
+          <a:p>
+            <a:endParaRPr lang="en-US"/>
+          </a:p>
+        </p:txBody>
+      </p:sp>
+      <p:sp>
+        <p:nvSpPr>
+          <p:cNvPr id="7" name="Slide Number Placeholder 6"/>
+          <p:cNvSpPr>
+            <a:spLocks noGrp="1"/>
+          </p:cNvSpPr>
+          <p:nvPr>
+            <p:ph type="sldNum" sz="quarter" idx="5"/>
+          </p:nvPr>
+        </p:nvSpPr>
+        <p:spPr>
+          <a:xfrm>
+            <a:off x="3884613" y="8685213"/>
+            <a:ext cx="2971800" cy="458787"/>
+          </a:xfrm>
+          <a:prstGeom prst="rect">
+            <a:avLst/>
+          </a:prstGeom>
+        </p:spPr>
+        <p:txBody>
+          <a:bodyPr vert="horz" lIns="91440" tIns="45720" rIns="91440" bIns="45720" rtlCol="0" anchor="b"/>
+          <a:lstStyle>
+            <a:lvl1pPr algn="r">
+              <a:defRPr sz="1200"/>
+            </a:lvl1pPr>
+          </a:lstStyle>
+          <a:p>
+            <a:fld id="{D13B99DE-E490-4B5A-BAFA-30D7713BFD74}" type="slidenum">
+              <a:rPr lang="en-US" smtClean="0"/>
+              <a:t>‹#›</a:t>
+            </a:fld>
+            <a:endParaRPr lang="en-US"/>
+          </a:p>
+        </p:txBody>
+      </p:sp>
+    </p:spTree>
+    <p:extLst>
+      <p:ext uri="{BB962C8B-B14F-4D97-AF65-F5344CB8AC3E}">
+        <p14:creationId xmlns:p14="http://schemas.microsoft.com/office/powerpoint/2010/main" val="687556441"/>
+      </p:ext>
+    </p:extLst>
+  </p:cSld>
+  <p:clrMap bg1="lt1" tx1="dk1" bg2="lt2" tx2="dk2" accent1="accent1" accent2="accent2" accent3="accent3" accent4="accent4" accent5="accent5" accent6="accent6" hlink="hlink" folHlink="folHlink"/>
+  <p:notesStyle>
+    <a:lvl1pPr marL="0" algn="l" defTabSz="914400" rtl="0" eaLnBrk="1" latinLnBrk="0" hangingPunct="1">
+      <a:defRPr sz="1200" kern="1200">
+        <a:solidFill>
+          <a:schemeClr val="tx1"/>
+        </a:solidFill>
+        <a:latin typeface="+mn-lt"/>
+        <a:ea typeface="+mn-ea"/>
+        <a:cs typeface="+mn-cs"/>
+      </a:defRPr>
+    </a:lvl1pPr>
+    <a:lvl2pPr marL="457200" algn="l" defTabSz="914400" rtl="0" eaLnBrk="1" latinLnBrk="0" hangingPunct="1">
+      <a:defRPr sz="1200" kern="1200">
+        <a:solidFill>
+          <a:schemeClr val="tx1"/>
+        </a:solidFill>
+        <a:latin typeface="+mn-lt"/>
+        <a:ea typeface="+mn-ea"/>
+        <a:cs typeface="+mn-cs"/>
+      </a:defRPr>
+    </a:lvl2pPr>
+    <a:lvl3pPr marL="914400" algn="l" defTabSz="914400" rtl="0" eaLnBrk="1" latinLnBrk="0" hangingPunct="1">
+      <a:defRPr sz="1200" kern="1200">
+        <a:solidFill>
+          <a:schemeClr val="tx1"/>
+        </a:solidFill>
+        <a:latin typeface="+mn-lt"/>
+        <a:ea typeface="+mn-ea"/>
+        <a:cs typeface="+mn-cs"/>
+      </a:defRPr>
+    </a:lvl3pPr>
+    <a:lvl4pPr marL="1371600" algn="l" defTabSz="914400" rtl="0" eaLnBrk="1" latinLnBrk="0" hangingPunct="1">
+      <a:defRPr sz="1200" kern="1200">
+        <a:solidFill>
+          <a:schemeClr val="tx1"/>
+        </a:solidFill>
+        <a:latin typeface="+mn-lt"/>
+        <a:ea typeface="+mn-ea"/>
+        <a:cs typeface="+mn-cs"/>
+      </a:defRPr>
+    </a:lvl4pPr>
+    <a:lvl5pPr marL="1828800" algn="l" defTabSz="914400" rtl="0" eaLnBrk="1" latinLnBrk="0" hangingPunct="1">
+      <a:defRPr sz="1200" kern="1200">
+        <a:solidFill>
+          <a:schemeClr val="tx1"/>
+        </a:solidFill>
+        <a:latin typeface="+mn-lt"/>
+        <a:ea typeface="+mn-ea"/>
+        <a:cs typeface="+mn-cs"/>
+      </a:defRPr>
+    </a:lvl5pPr>
+    <a:lvl6pPr marL="2286000" algn="l" defTabSz="914400" rtl="0" eaLnBrk="1" latinLnBrk="0" hangingPunct="1">
+      <a:defRPr sz="1200" kern="1200">
+        <a:solidFill>
+          <a:schemeClr val="tx1"/>
+        </a:solidFill>
+        <a:latin typeface="+mn-lt"/>
+        <a:ea typeface="+mn-ea"/>
+        <a:cs typeface="+mn-cs"/>
+      </a:defRPr>
+    </a:lvl6pPr>
+    <a:lvl7pPr marL="2743200" algn="l" defTabSz="914400" rtl="0" eaLnBrk="1" latinLnBrk="0" hangingPunct="1">
+      <a:defRPr sz="1200" kern="1200">
+        <a:solidFill>
+          <a:schemeClr val="tx1"/>
+        </a:solidFill>
+        <a:latin typeface="+mn-lt"/>
+        <a:ea typeface="+mn-ea"/>
+        <a:cs typeface="+mn-cs"/>
+      </a:defRPr>
+    </a:lvl7pPr>
+    <a:lvl8pPr marL="3200400" algn="l" defTabSz="914400" rtl="0" eaLnBrk="1" latinLnBrk="0" hangingPunct="1">
+      <a:defRPr sz="1200" kern="1200">
+        <a:solidFill>
+          <a:schemeClr val="tx1"/>
+        </a:solidFill>
+        <a:latin typeface="+mn-lt"/>
+        <a:ea typeface="+mn-ea"/>
+        <a:cs typeface="+mn-cs"/>
+      </a:defRPr>
+    </a:lvl8pPr>
+    <a:lvl9pPr marL="3657600" algn="l" defTabSz="914400" rtl="0" eaLnBrk="1" latinLnBrk="0" hangingPunct="1">
+      <a:defRPr sz="1200" kern="1200">
+        <a:solidFill>
+          <a:schemeClr val="tx1"/>
+        </a:solidFill>
+        <a:latin typeface="+mn-lt"/>
+        <a:ea typeface="+mn-ea"/>
+        <a:cs typeface="+mn-cs"/>
+      </a:defRPr>
+    </a:lvl9pPr>
+  </p:notesStyle>
+</p:notesMaster>
+</file>
+
+<file path=ppt/notesSlides/notesSlide1.xml><?xml version="1.0" encoding="utf-8"?>
+<p:notes xmlns:a="http://schemas.openxmlformats.org/drawingml/2006/main" xmlns:r="http://schemas.openxmlformats.org/officeDocument/2006/relationships" xmlns:p="http://schemas.openxmlformats.org/presentationml/2006/main">
+  <p:cSld>
+    <p:spTree>
+      <p:nvGrpSpPr>
+        <p:cNvPr id="1" name=""/>
+        <p:cNvGrpSpPr/>
+        <p:nvPr/>
+      </p:nvGrpSpPr>
+      <p:grpSpPr>
+        <a:xfrm>
+          <a:off x="0" y="0"/>
+          <a:ext cx="0" cy="0"/>
+          <a:chOff x="0" y="0"/>
+          <a:chExt cx="0" cy="0"/>
+        </a:xfrm>
+      </p:grpSpPr>
+      <p:sp>
+        <p:nvSpPr>
+          <p:cNvPr id="2" name="Slide Image Placeholder 1"/>
+          <p:cNvSpPr>
+            <a:spLocks noGrp="1" noRot="1" noChangeAspect="1"/>
+          </p:cNvSpPr>
+          <p:nvPr>
+            <p:ph type="sldImg"/>
+          </p:nvPr>
+        </p:nvSpPr>
+        <p:spPr/>
+      </p:sp>
+      <p:sp>
+        <p:nvSpPr>
+          <p:cNvPr id="3" name="Notes Placeholder 2"/>
+          <p:cNvSpPr>
+            <a:spLocks noGrp="1"/>
+          </p:cNvSpPr>
+          <p:nvPr>
+            <p:ph type="body" idx="1"/>
+          </p:nvPr>
+        </p:nvSpPr>
+        <p:spPr/>
+        <p:txBody>
+          <a:bodyPr/>
+          <a:lstStyle/>
+          <a:p>
+            <a:r>
+              <a:rPr lang="en-US" dirty="0"/>
+              <a:t>Ridge Regression</a:t>
+            </a:r>
+          </a:p>
+          <a:p>
+            <a:pPr lvl="1"/>
+            <a:r>
+              <a:rPr lang="en-US" dirty="0"/>
+              <a:t>This model determines the co-efficient for each of predictor variables based on a ridge lambda value of 0.1.</a:t>
+            </a:r>
+          </a:p>
+          <a:p>
+            <a:pPr lvl="1"/>
+            <a:r>
+              <a:rPr lang="en-US" dirty="0"/>
+              <a:t>We use the “</a:t>
+            </a:r>
+            <a:r>
+              <a:rPr lang="en-US" dirty="0" err="1"/>
+              <a:t>lm.ridge</a:t>
+            </a:r>
+            <a:r>
+              <a:rPr lang="en-US" dirty="0"/>
+              <a:t>” function to determine the co-efficient values:</a:t>
+            </a:r>
+          </a:p>
+          <a:p>
+            <a:pPr lvl="2"/>
+            <a:r>
+              <a:rPr lang="en-US" dirty="0" err="1"/>
+              <a:t>lm.ridge</a:t>
+            </a:r>
+            <a:r>
+              <a:rPr lang="en-US" dirty="0"/>
+              <a:t>(y~., data = </a:t>
+            </a:r>
+            <a:r>
+              <a:rPr lang="en-US" dirty="0" err="1"/>
+              <a:t>training_numnew</a:t>
+            </a:r>
+            <a:r>
+              <a:rPr lang="en-US" dirty="0"/>
+              <a:t>, lambda = 0.1)</a:t>
+            </a:r>
+          </a:p>
+          <a:p>
+            <a:pPr lvl="2"/>
+            <a:r>
+              <a:rPr lang="en-US" dirty="0"/>
+              <a:t>We then determine the predicted results based on mapping these co-efficient values onto the predictors in the test set:</a:t>
+            </a:r>
+          </a:p>
+          <a:p>
+            <a:pPr lvl="3"/>
+            <a:r>
+              <a:rPr lang="en-US" dirty="0" err="1"/>
+              <a:t>sum.coef</a:t>
+            </a:r>
+            <a:r>
+              <a:rPr lang="en-US" dirty="0"/>
+              <a:t> &lt;- </a:t>
+            </a:r>
+            <a:r>
+              <a:rPr lang="en-US" dirty="0" err="1"/>
+              <a:t>sum.coef</a:t>
+            </a:r>
+            <a:r>
+              <a:rPr lang="en-US" dirty="0"/>
+              <a:t> + </a:t>
+            </a:r>
+            <a:r>
+              <a:rPr lang="en-US" dirty="0" err="1"/>
+              <a:t>mat_test.rlm</a:t>
+            </a:r>
+            <a:r>
+              <a:rPr lang="en-US" dirty="0"/>
+              <a:t>[</a:t>
+            </a:r>
+            <a:r>
+              <a:rPr lang="en-US" dirty="0" err="1"/>
+              <a:t>i,j</a:t>
+            </a:r>
+            <a:r>
+              <a:rPr lang="en-US" dirty="0"/>
+              <a:t>]*</a:t>
+            </a:r>
+            <a:r>
+              <a:rPr lang="en-US" dirty="0" err="1"/>
+              <a:t>coef</a:t>
+            </a:r>
+            <a:r>
+              <a:rPr lang="en-US" dirty="0"/>
+              <a:t>(</a:t>
+            </a:r>
+            <a:r>
+              <a:rPr lang="en-US" dirty="0" err="1"/>
+              <a:t>rlm</a:t>
+            </a:r>
+            <a:r>
+              <a:rPr lang="en-US" dirty="0"/>
+              <a:t>)[j]</a:t>
+            </a:r>
+          </a:p>
+          <a:p>
+            <a:pPr lvl="2"/>
+            <a:r>
+              <a:rPr lang="en-US" dirty="0"/>
+              <a:t>The final result is then compared with the actuals</a:t>
+            </a:r>
+          </a:p>
+          <a:p>
+            <a:pPr lvl="2"/>
+            <a:endParaRPr lang="en-US" dirty="0"/>
+          </a:p>
+          <a:p>
+            <a:pPr lvl="1"/>
+            <a:r>
+              <a:rPr lang="en-US" dirty="0"/>
+              <a:t>Based on the True Positives from the previous slide, final predictions give us an accuracy of:</a:t>
+            </a:r>
+          </a:p>
+          <a:p>
+            <a:pPr lvl="2"/>
+            <a:r>
+              <a:rPr lang="en-US" dirty="0"/>
+              <a:t>16.76%	</a:t>
+            </a:r>
+          </a:p>
+          <a:p>
+            <a:pPr lvl="1"/>
+            <a:r>
+              <a:rPr lang="en-US" dirty="0"/>
+              <a:t>This model even though </a:t>
+            </a:r>
+          </a:p>
+          <a:p>
+            <a:endParaRPr lang="en-US" dirty="0"/>
+          </a:p>
+        </p:txBody>
+      </p:sp>
+      <p:sp>
+        <p:nvSpPr>
+          <p:cNvPr id="4" name="Slide Number Placeholder 3"/>
+          <p:cNvSpPr>
+            <a:spLocks noGrp="1"/>
+          </p:cNvSpPr>
+          <p:nvPr>
+            <p:ph type="sldNum" sz="quarter" idx="10"/>
+          </p:nvPr>
+        </p:nvSpPr>
+        <p:spPr/>
+        <p:txBody>
+          <a:bodyPr/>
+          <a:lstStyle/>
+          <a:p>
+            <a:fld id="{D13B99DE-E490-4B5A-BAFA-30D7713BFD74}" type="slidenum">
+              <a:rPr lang="en-US" smtClean="0"/>
+              <a:t>16</a:t>
+            </a:fld>
+            <a:endParaRPr lang="en-US"/>
+          </a:p>
+        </p:txBody>
+      </p:sp>
+    </p:spTree>
+    <p:extLst>
+      <p:ext uri="{BB962C8B-B14F-4D97-AF65-F5344CB8AC3E}">
+        <p14:creationId xmlns:p14="http://schemas.microsoft.com/office/powerpoint/2010/main" val="3643137202"/>
+      </p:ext>
+    </p:extLst>
+  </p:cSld>
+  <p:clrMapOvr>
+    <a:masterClrMapping/>
+  </p:clrMapOvr>
+</p:notes>
 </file>
 
 <file path=ppt/slideLayouts/slideLayout1.xml><?xml version="1.0" encoding="utf-8"?>
@@ -3800,6 +4384,975 @@
 </p:sld>
 </file>
 
+<file path=ppt/slides/slide16.xml><?xml version="1.0" encoding="utf-8"?>
+<p:sld xmlns:a="http://schemas.openxmlformats.org/drawingml/2006/main" xmlns:r="http://schemas.openxmlformats.org/officeDocument/2006/relationships" xmlns:p="http://schemas.openxmlformats.org/presentationml/2006/main">
+  <p:cSld>
+    <p:spTree>
+      <p:nvGrpSpPr>
+        <p:cNvPr id="1" name=""/>
+        <p:cNvGrpSpPr/>
+        <p:nvPr/>
+      </p:nvGrpSpPr>
+      <p:grpSpPr>
+        <a:xfrm>
+          <a:off x="0" y="0"/>
+          <a:ext cx="0" cy="0"/>
+          <a:chOff x="0" y="0"/>
+          <a:chExt cx="0" cy="0"/>
+        </a:xfrm>
+      </p:grpSpPr>
+      <p:sp>
+        <p:nvSpPr>
+          <p:cNvPr id="2" name="Title 1"/>
+          <p:cNvSpPr>
+            <a:spLocks noGrp="1"/>
+          </p:cNvSpPr>
+          <p:nvPr>
+            <p:ph type="title"/>
+          </p:nvPr>
+        </p:nvSpPr>
+        <p:spPr/>
+        <p:txBody>
+          <a:bodyPr/>
+          <a:lstStyle/>
+          <a:p>
+            <a:r>
+              <a:rPr lang="en-US" dirty="0"/>
+              <a:t>Models(contd..)</a:t>
+            </a:r>
+          </a:p>
+        </p:txBody>
+      </p:sp>
+      <p:sp>
+        <p:nvSpPr>
+          <p:cNvPr id="3" name="Content Placeholder 2"/>
+          <p:cNvSpPr>
+            <a:spLocks noGrp="1"/>
+          </p:cNvSpPr>
+          <p:nvPr>
+            <p:ph idx="1"/>
+          </p:nvPr>
+        </p:nvSpPr>
+        <p:spPr/>
+        <p:txBody>
+          <a:bodyPr>
+            <a:normAutofit fontScale="92500" lnSpcReduction="20000"/>
+          </a:bodyPr>
+          <a:lstStyle/>
+          <a:p>
+            <a:r>
+              <a:rPr lang="en-US" dirty="0"/>
+              <a:t>Ridge Regression</a:t>
+            </a:r>
+          </a:p>
+          <a:p>
+            <a:pPr lvl="1"/>
+            <a:r>
+              <a:rPr lang="en-US" dirty="0"/>
+              <a:t>This model determines the co-efficient for each of predictor variables based on a ridge lambda value of 0.1.</a:t>
+            </a:r>
+          </a:p>
+          <a:p>
+            <a:pPr lvl="1"/>
+            <a:r>
+              <a:rPr lang="en-US" dirty="0"/>
+              <a:t>We use the “</a:t>
+            </a:r>
+            <a:r>
+              <a:rPr lang="en-US" dirty="0" err="1"/>
+              <a:t>lm.ridge</a:t>
+            </a:r>
+            <a:r>
+              <a:rPr lang="en-US" dirty="0"/>
+              <a:t>” function to determine the co-efficient values:</a:t>
+            </a:r>
+          </a:p>
+          <a:p>
+            <a:pPr lvl="2"/>
+            <a:r>
+              <a:rPr lang="en-US" dirty="0" err="1"/>
+              <a:t>lm.ridge</a:t>
+            </a:r>
+            <a:r>
+              <a:rPr lang="en-US" dirty="0"/>
+              <a:t>(y~., data = </a:t>
+            </a:r>
+            <a:r>
+              <a:rPr lang="en-US" dirty="0" err="1"/>
+              <a:t>training_numnew</a:t>
+            </a:r>
+            <a:r>
+              <a:rPr lang="en-US" dirty="0"/>
+              <a:t>, lambda = 0.1)</a:t>
+            </a:r>
+          </a:p>
+          <a:p>
+            <a:pPr lvl="2"/>
+            <a:r>
+              <a:rPr lang="en-US" dirty="0"/>
+              <a:t>We then determine the predicted results based on mapping these co-efficient values onto the predictors in the test set:</a:t>
+            </a:r>
+          </a:p>
+          <a:p>
+            <a:pPr lvl="3"/>
+            <a:r>
+              <a:rPr lang="en-US" dirty="0" err="1"/>
+              <a:t>sum.coef</a:t>
+            </a:r>
+            <a:r>
+              <a:rPr lang="en-US" dirty="0"/>
+              <a:t> &lt;- </a:t>
+            </a:r>
+            <a:r>
+              <a:rPr lang="en-US" dirty="0" err="1"/>
+              <a:t>sum.coef</a:t>
+            </a:r>
+            <a:r>
+              <a:rPr lang="en-US" dirty="0"/>
+              <a:t> + </a:t>
+            </a:r>
+            <a:r>
+              <a:rPr lang="en-US" dirty="0" err="1"/>
+              <a:t>mat_test.rlm</a:t>
+            </a:r>
+            <a:r>
+              <a:rPr lang="en-US" dirty="0"/>
+              <a:t>[</a:t>
+            </a:r>
+            <a:r>
+              <a:rPr lang="en-US" dirty="0" err="1"/>
+              <a:t>i,j</a:t>
+            </a:r>
+            <a:r>
+              <a:rPr lang="en-US" dirty="0"/>
+              <a:t>]*</a:t>
+            </a:r>
+            <a:r>
+              <a:rPr lang="en-US" dirty="0" err="1"/>
+              <a:t>coef</a:t>
+            </a:r>
+            <a:r>
+              <a:rPr lang="en-US" dirty="0"/>
+              <a:t>(</a:t>
+            </a:r>
+            <a:r>
+              <a:rPr lang="en-US" dirty="0" err="1"/>
+              <a:t>rlm</a:t>
+            </a:r>
+            <a:r>
+              <a:rPr lang="en-US" dirty="0"/>
+              <a:t>)[j]</a:t>
+            </a:r>
+          </a:p>
+          <a:p>
+            <a:pPr lvl="2"/>
+            <a:r>
+              <a:rPr lang="en-US" dirty="0"/>
+              <a:t>The final result is then compared with the actuals</a:t>
+            </a:r>
+          </a:p>
+          <a:p>
+            <a:pPr lvl="2"/>
+            <a:endParaRPr lang="en-US" dirty="0"/>
+          </a:p>
+          <a:p>
+            <a:pPr lvl="1"/>
+            <a:r>
+              <a:rPr lang="en-US" dirty="0"/>
+              <a:t>Based on the True Positives from the previous slide, final predictions give us an accuracy of:</a:t>
+            </a:r>
+          </a:p>
+          <a:p>
+            <a:pPr lvl="2"/>
+            <a:r>
+              <a:rPr lang="en-US" dirty="0"/>
+              <a:t>16.76%	</a:t>
+            </a:r>
+          </a:p>
+          <a:p>
+            <a:pPr lvl="1"/>
+            <a:r>
+              <a:rPr lang="en-US" dirty="0"/>
+              <a:t>This model even though performs better than Polynomial 4, its not any good for practical purposes.</a:t>
+            </a:r>
+          </a:p>
+          <a:p>
+            <a:pPr lvl="1"/>
+            <a:endParaRPr lang="en-US" b="1" dirty="0"/>
+          </a:p>
+          <a:p>
+            <a:pPr lvl="2"/>
+            <a:endParaRPr lang="en-US" dirty="0"/>
+          </a:p>
+        </p:txBody>
+      </p:sp>
+    </p:spTree>
+    <p:extLst>
+      <p:ext uri="{BB962C8B-B14F-4D97-AF65-F5344CB8AC3E}">
+        <p14:creationId xmlns:p14="http://schemas.microsoft.com/office/powerpoint/2010/main" val="2521051953"/>
+      </p:ext>
+    </p:extLst>
+  </p:cSld>
+  <p:clrMapOvr>
+    <a:masterClrMapping/>
+  </p:clrMapOvr>
+</p:sld>
+</file>
+
+<file path=ppt/slides/slide17.xml><?xml version="1.0" encoding="utf-8"?>
+<p:sld xmlns:a="http://schemas.openxmlformats.org/drawingml/2006/main" xmlns:r="http://schemas.openxmlformats.org/officeDocument/2006/relationships" xmlns:p="http://schemas.openxmlformats.org/presentationml/2006/main">
+  <p:cSld>
+    <p:spTree>
+      <p:nvGrpSpPr>
+        <p:cNvPr id="1" name=""/>
+        <p:cNvGrpSpPr/>
+        <p:nvPr/>
+      </p:nvGrpSpPr>
+      <p:grpSpPr>
+        <a:xfrm>
+          <a:off x="0" y="0"/>
+          <a:ext cx="0" cy="0"/>
+          <a:chOff x="0" y="0"/>
+          <a:chExt cx="0" cy="0"/>
+        </a:xfrm>
+      </p:grpSpPr>
+      <p:sp>
+        <p:nvSpPr>
+          <p:cNvPr id="2" name="Title 1"/>
+          <p:cNvSpPr>
+            <a:spLocks noGrp="1"/>
+          </p:cNvSpPr>
+          <p:nvPr>
+            <p:ph type="title"/>
+          </p:nvPr>
+        </p:nvSpPr>
+        <p:spPr/>
+        <p:txBody>
+          <a:bodyPr/>
+          <a:lstStyle/>
+          <a:p>
+            <a:r>
+              <a:rPr lang="en-US" dirty="0"/>
+              <a:t>Models(contd..)</a:t>
+            </a:r>
+          </a:p>
+        </p:txBody>
+      </p:sp>
+      <p:sp>
+        <p:nvSpPr>
+          <p:cNvPr id="3" name="Content Placeholder 2"/>
+          <p:cNvSpPr>
+            <a:spLocks noGrp="1"/>
+          </p:cNvSpPr>
+          <p:nvPr>
+            <p:ph idx="1"/>
+          </p:nvPr>
+        </p:nvSpPr>
+        <p:spPr/>
+        <p:txBody>
+          <a:bodyPr/>
+          <a:lstStyle/>
+          <a:p>
+            <a:r>
+              <a:rPr lang="en-US" dirty="0"/>
+              <a:t>Logistic Regression</a:t>
+            </a:r>
+          </a:p>
+          <a:p>
+            <a:pPr lvl="1"/>
+            <a:r>
+              <a:rPr lang="en-US" dirty="0"/>
+              <a:t>This model returns the same regression results as the linear model.</a:t>
+            </a:r>
+          </a:p>
+          <a:p>
+            <a:pPr lvl="1"/>
+            <a:endParaRPr lang="en-US" dirty="0"/>
+          </a:p>
+          <a:p>
+            <a:pPr lvl="1"/>
+            <a:r>
+              <a:rPr lang="en-US" dirty="0"/>
+              <a:t>The variables are all of first order (but in this case treated as factors in stead of </a:t>
+            </a:r>
+            <a:r>
+              <a:rPr lang="en-US" dirty="0" err="1"/>
+              <a:t>numerics</a:t>
+            </a:r>
+            <a:r>
+              <a:rPr lang="en-US" dirty="0"/>
+              <a:t>):</a:t>
+            </a:r>
+          </a:p>
+          <a:p>
+            <a:pPr lvl="2"/>
+            <a:r>
+              <a:rPr lang="en-US" dirty="0"/>
+              <a:t>lm(</a:t>
+            </a:r>
+            <a:r>
+              <a:rPr lang="en-US" dirty="0" err="1"/>
+              <a:t>y~StationId+Month+Day+StartHour+StopHour,data</a:t>
+            </a:r>
+            <a:r>
+              <a:rPr lang="en-US" dirty="0"/>
+              <a:t> = training)</a:t>
+            </a:r>
+          </a:p>
+          <a:p>
+            <a:pPr marL="1371600" lvl="3" indent="0">
+              <a:buNone/>
+            </a:pPr>
+            <a:endParaRPr lang="en-US" dirty="0"/>
+          </a:p>
+          <a:p>
+            <a:pPr lvl="1"/>
+            <a:r>
+              <a:rPr lang="en-US" dirty="0"/>
+              <a:t>Based on the True Positives from the previous slide, final predictions give us an accuracy of:</a:t>
+            </a:r>
+          </a:p>
+          <a:p>
+            <a:pPr lvl="2"/>
+            <a:r>
+              <a:rPr lang="en-US" dirty="0"/>
+              <a:t>78.58% 	</a:t>
+            </a:r>
+          </a:p>
+          <a:p>
+            <a:pPr lvl="1"/>
+            <a:r>
+              <a:rPr lang="en-US" dirty="0"/>
+              <a:t>Overall, the Logistic and Linear models are our best performing models</a:t>
+            </a:r>
+          </a:p>
+          <a:p>
+            <a:pPr lvl="1"/>
+            <a:endParaRPr lang="en-US" dirty="0"/>
+          </a:p>
+          <a:p>
+            <a:endParaRPr lang="en-US" dirty="0"/>
+          </a:p>
+        </p:txBody>
+      </p:sp>
+    </p:spTree>
+    <p:extLst>
+      <p:ext uri="{BB962C8B-B14F-4D97-AF65-F5344CB8AC3E}">
+        <p14:creationId xmlns:p14="http://schemas.microsoft.com/office/powerpoint/2010/main" val="840431858"/>
+      </p:ext>
+    </p:extLst>
+  </p:cSld>
+  <p:clrMapOvr>
+    <a:masterClrMapping/>
+  </p:clrMapOvr>
+</p:sld>
+</file>
+
+<file path=ppt/slides/slide18.xml><?xml version="1.0" encoding="utf-8"?>
+<p:sld xmlns:a="http://schemas.openxmlformats.org/drawingml/2006/main" xmlns:r="http://schemas.openxmlformats.org/officeDocument/2006/relationships" xmlns:p="http://schemas.openxmlformats.org/presentationml/2006/main">
+  <p:cSld>
+    <p:spTree>
+      <p:nvGrpSpPr>
+        <p:cNvPr id="1" name=""/>
+        <p:cNvGrpSpPr/>
+        <p:nvPr/>
+      </p:nvGrpSpPr>
+      <p:grpSpPr>
+        <a:xfrm>
+          <a:off x="0" y="0"/>
+          <a:ext cx="0" cy="0"/>
+          <a:chOff x="0" y="0"/>
+          <a:chExt cx="0" cy="0"/>
+        </a:xfrm>
+      </p:grpSpPr>
+      <p:sp>
+        <p:nvSpPr>
+          <p:cNvPr id="2" name="Title 1"/>
+          <p:cNvSpPr>
+            <a:spLocks noGrp="1"/>
+          </p:cNvSpPr>
+          <p:nvPr>
+            <p:ph type="title"/>
+          </p:nvPr>
+        </p:nvSpPr>
+        <p:spPr/>
+        <p:txBody>
+          <a:bodyPr/>
+          <a:lstStyle/>
+          <a:p>
+            <a:r>
+              <a:rPr lang="en-US" dirty="0"/>
+              <a:t>Re-Balancing</a:t>
+            </a:r>
+          </a:p>
+        </p:txBody>
+      </p:sp>
+      <p:sp>
+        <p:nvSpPr>
+          <p:cNvPr id="3" name="Content Placeholder 2"/>
+          <p:cNvSpPr>
+            <a:spLocks noGrp="1"/>
+          </p:cNvSpPr>
+          <p:nvPr>
+            <p:ph idx="1"/>
+          </p:nvPr>
+        </p:nvSpPr>
+        <p:spPr/>
+        <p:txBody>
+          <a:bodyPr/>
+          <a:lstStyle/>
+          <a:p>
+            <a:r>
+              <a:rPr lang="en-US" dirty="0"/>
+              <a:t>With the predictions at hand, we wish to address the re-balance problem.</a:t>
+            </a:r>
+          </a:p>
+          <a:p>
+            <a:r>
+              <a:rPr lang="en-US" dirty="0"/>
+              <a:t>We wish to use the results obtained by our linear and logistic regression models to obtain the best fit cost matrix.</a:t>
+            </a:r>
+          </a:p>
+          <a:p>
+            <a:r>
+              <a:rPr lang="en-US" dirty="0"/>
+              <a:t>In order to achieve this, we want to create a location based cost matrix that can maximize the operability by maintaining the bike flow equilibrium at minimal cost.</a:t>
+            </a:r>
+          </a:p>
+          <a:p>
+            <a:r>
+              <a:rPr lang="en-US" dirty="0"/>
+              <a:t>There are a few problems we need to address:</a:t>
+            </a:r>
+          </a:p>
+        </p:txBody>
+      </p:sp>
+    </p:spTree>
+    <p:extLst>
+      <p:ext uri="{BB962C8B-B14F-4D97-AF65-F5344CB8AC3E}">
+        <p14:creationId xmlns:p14="http://schemas.microsoft.com/office/powerpoint/2010/main" val="2592530819"/>
+      </p:ext>
+    </p:extLst>
+  </p:cSld>
+  <p:clrMapOvr>
+    <a:masterClrMapping/>
+  </p:clrMapOvr>
+</p:sld>
+</file>
+
+<file path=ppt/slides/slide19.xml><?xml version="1.0" encoding="utf-8"?>
+<p:sld xmlns:a="http://schemas.openxmlformats.org/drawingml/2006/main" xmlns:r="http://schemas.openxmlformats.org/officeDocument/2006/relationships" xmlns:p="http://schemas.openxmlformats.org/presentationml/2006/main">
+  <p:cSld>
+    <p:spTree>
+      <p:nvGrpSpPr>
+        <p:cNvPr id="1" name=""/>
+        <p:cNvGrpSpPr/>
+        <p:nvPr/>
+      </p:nvGrpSpPr>
+      <p:grpSpPr>
+        <a:xfrm>
+          <a:off x="0" y="0"/>
+          <a:ext cx="0" cy="0"/>
+          <a:chOff x="0" y="0"/>
+          <a:chExt cx="0" cy="0"/>
+        </a:xfrm>
+      </p:grpSpPr>
+      <p:sp>
+        <p:nvSpPr>
+          <p:cNvPr id="2" name="Title 1"/>
+          <p:cNvSpPr>
+            <a:spLocks noGrp="1"/>
+          </p:cNvSpPr>
+          <p:nvPr>
+            <p:ph type="title"/>
+          </p:nvPr>
+        </p:nvSpPr>
+        <p:spPr/>
+        <p:txBody>
+          <a:bodyPr/>
+          <a:lstStyle/>
+          <a:p>
+            <a:r>
+              <a:rPr lang="en-US" dirty="0"/>
+              <a:t>Re-Balancing (contd..)</a:t>
+            </a:r>
+          </a:p>
+        </p:txBody>
+      </p:sp>
+      <p:sp>
+        <p:nvSpPr>
+          <p:cNvPr id="3" name="Content Placeholder 2"/>
+          <p:cNvSpPr>
+            <a:spLocks noGrp="1"/>
+          </p:cNvSpPr>
+          <p:nvPr>
+            <p:ph idx="1"/>
+          </p:nvPr>
+        </p:nvSpPr>
+        <p:spPr>
+          <a:xfrm>
+            <a:off x="838200" y="1924382"/>
+            <a:ext cx="10515600" cy="4351338"/>
+          </a:xfrm>
+        </p:spPr>
+        <p:txBody>
+          <a:bodyPr/>
+          <a:lstStyle/>
+          <a:p>
+            <a:r>
+              <a:rPr lang="en-US" dirty="0"/>
+              <a:t>The location based cost-matrix needs to be weighted according to its proximity to each of the stations</a:t>
+            </a:r>
+          </a:p>
+          <a:p>
+            <a:r>
+              <a:rPr lang="en-US" dirty="0"/>
+              <a:t>An algorithm needs to be in place for determining the best possible method to re-balance.</a:t>
+            </a:r>
+          </a:p>
+          <a:p>
+            <a:r>
+              <a:rPr lang="en-US" dirty="0"/>
+              <a:t>Proximity problem:</a:t>
+            </a:r>
+          </a:p>
+        </p:txBody>
+      </p:sp>
+      <p:grpSp>
+        <p:nvGrpSpPr>
+          <p:cNvPr id="35" name="Group 34"/>
+          <p:cNvGrpSpPr/>
+          <p:nvPr/>
+        </p:nvGrpSpPr>
+        <p:grpSpPr>
+          <a:xfrm>
+            <a:off x="4793228" y="3603523"/>
+            <a:ext cx="2605543" cy="2905891"/>
+            <a:chOff x="1020096" y="3805084"/>
+            <a:chExt cx="2605543" cy="2905891"/>
+          </a:xfrm>
+        </p:grpSpPr>
+        <p:sp>
+          <p:nvSpPr>
+            <p:cNvPr id="4" name="Oval 3"/>
+            <p:cNvSpPr/>
+            <p:nvPr/>
+          </p:nvSpPr>
+          <p:spPr>
+            <a:xfrm>
+              <a:off x="2111476" y="3805084"/>
+              <a:ext cx="422787" cy="403122"/>
+            </a:xfrm>
+            <a:prstGeom prst="ellipse">
+              <a:avLst/>
+            </a:prstGeom>
+            <a:noFill/>
+            <a:ln>
+              <a:solidFill>
+                <a:schemeClr val="tx1"/>
+              </a:solidFill>
+            </a:ln>
+          </p:spPr>
+          <p:style>
+            <a:lnRef idx="2">
+              <a:schemeClr val="accent1">
+                <a:shade val="50000"/>
+              </a:schemeClr>
+            </a:lnRef>
+            <a:fillRef idx="1">
+              <a:schemeClr val="accent1"/>
+            </a:fillRef>
+            <a:effectRef idx="0">
+              <a:schemeClr val="accent1"/>
+            </a:effectRef>
+            <a:fontRef idx="minor">
+              <a:schemeClr val="lt1"/>
+            </a:fontRef>
+          </p:style>
+          <p:txBody>
+            <a:bodyPr rtlCol="0" anchor="ctr"/>
+            <a:lstStyle/>
+            <a:p>
+              <a:pPr algn="ctr"/>
+              <a:r>
+                <a:rPr lang="en-US" sz="900" dirty="0">
+                  <a:solidFill>
+                    <a:schemeClr val="tx1"/>
+                  </a:solidFill>
+                </a:rPr>
+                <a:t>15</a:t>
+              </a:r>
+            </a:p>
+          </p:txBody>
+        </p:sp>
+        <p:sp>
+          <p:nvSpPr>
+            <p:cNvPr id="19" name="Oval 18"/>
+            <p:cNvSpPr/>
+            <p:nvPr/>
+          </p:nvSpPr>
+          <p:spPr>
+            <a:xfrm>
+              <a:off x="1020096" y="5427406"/>
+              <a:ext cx="422787" cy="403122"/>
+            </a:xfrm>
+            <a:prstGeom prst="ellipse">
+              <a:avLst/>
+            </a:prstGeom>
+            <a:noFill/>
+            <a:ln>
+              <a:solidFill>
+                <a:schemeClr val="tx1"/>
+              </a:solidFill>
+            </a:ln>
+          </p:spPr>
+          <p:style>
+            <a:lnRef idx="2">
+              <a:schemeClr val="accent1">
+                <a:shade val="50000"/>
+              </a:schemeClr>
+            </a:lnRef>
+            <a:fillRef idx="1">
+              <a:schemeClr val="accent1"/>
+            </a:fillRef>
+            <a:effectRef idx="0">
+              <a:schemeClr val="accent1"/>
+            </a:effectRef>
+            <a:fontRef idx="minor">
+              <a:schemeClr val="lt1"/>
+            </a:fontRef>
+          </p:style>
+          <p:txBody>
+            <a:bodyPr rtlCol="0" anchor="ctr"/>
+            <a:lstStyle/>
+            <a:p>
+              <a:pPr algn="ctr"/>
+              <a:r>
+                <a:rPr lang="en-US" sz="900" dirty="0">
+                  <a:solidFill>
+                    <a:schemeClr val="tx1"/>
+                  </a:solidFill>
+                </a:rPr>
+                <a:t>5</a:t>
+              </a:r>
+            </a:p>
+          </p:txBody>
+        </p:sp>
+        <p:sp>
+          <p:nvSpPr>
+            <p:cNvPr id="20" name="Oval 19"/>
+            <p:cNvSpPr/>
+            <p:nvPr/>
+          </p:nvSpPr>
+          <p:spPr>
+            <a:xfrm>
+              <a:off x="2052480" y="5358582"/>
+              <a:ext cx="540775" cy="550607"/>
+            </a:xfrm>
+            <a:prstGeom prst="ellipse">
+              <a:avLst/>
+            </a:prstGeom>
+            <a:noFill/>
+            <a:ln>
+              <a:solidFill>
+                <a:schemeClr val="tx1"/>
+              </a:solidFill>
+            </a:ln>
+          </p:spPr>
+          <p:style>
+            <a:lnRef idx="2">
+              <a:schemeClr val="accent1">
+                <a:shade val="50000"/>
+              </a:schemeClr>
+            </a:lnRef>
+            <a:fillRef idx="1">
+              <a:schemeClr val="accent1"/>
+            </a:fillRef>
+            <a:effectRef idx="0">
+              <a:schemeClr val="accent1"/>
+            </a:effectRef>
+            <a:fontRef idx="minor">
+              <a:schemeClr val="lt1"/>
+            </a:fontRef>
+          </p:style>
+          <p:txBody>
+            <a:bodyPr rtlCol="0" anchor="ctr"/>
+            <a:lstStyle/>
+            <a:p>
+              <a:pPr algn="ctr"/>
+              <a:r>
+                <a:rPr lang="en-US" sz="900" dirty="0">
+                  <a:solidFill>
+                    <a:srgbClr val="FF0000"/>
+                  </a:solidFill>
+                </a:rPr>
+                <a:t>-15</a:t>
+              </a:r>
+            </a:p>
+          </p:txBody>
+        </p:sp>
+        <p:sp>
+          <p:nvSpPr>
+            <p:cNvPr id="21" name="Oval 20"/>
+            <p:cNvSpPr/>
+            <p:nvPr/>
+          </p:nvSpPr>
+          <p:spPr>
+            <a:xfrm>
+              <a:off x="3202852" y="5427407"/>
+              <a:ext cx="422787" cy="403122"/>
+            </a:xfrm>
+            <a:prstGeom prst="ellipse">
+              <a:avLst/>
+            </a:prstGeom>
+            <a:noFill/>
+            <a:ln>
+              <a:solidFill>
+                <a:schemeClr val="tx1"/>
+              </a:solidFill>
+            </a:ln>
+          </p:spPr>
+          <p:style>
+            <a:lnRef idx="2">
+              <a:schemeClr val="accent1">
+                <a:shade val="50000"/>
+              </a:schemeClr>
+            </a:lnRef>
+            <a:fillRef idx="1">
+              <a:schemeClr val="accent1"/>
+            </a:fillRef>
+            <a:effectRef idx="0">
+              <a:schemeClr val="accent1"/>
+            </a:effectRef>
+            <a:fontRef idx="minor">
+              <a:schemeClr val="lt1"/>
+            </a:fontRef>
+          </p:style>
+          <p:txBody>
+            <a:bodyPr rtlCol="0" anchor="ctr"/>
+            <a:lstStyle/>
+            <a:p>
+              <a:pPr algn="ctr"/>
+              <a:r>
+                <a:rPr lang="en-US" sz="900" dirty="0">
+                  <a:solidFill>
+                    <a:schemeClr val="tx1"/>
+                  </a:solidFill>
+                </a:rPr>
+                <a:t>5</a:t>
+              </a:r>
+            </a:p>
+          </p:txBody>
+        </p:sp>
+        <p:sp>
+          <p:nvSpPr>
+            <p:cNvPr id="22" name="Oval 21"/>
+            <p:cNvSpPr/>
+            <p:nvPr/>
+          </p:nvSpPr>
+          <p:spPr>
+            <a:xfrm>
+              <a:off x="2111476" y="6307853"/>
+              <a:ext cx="422787" cy="403122"/>
+            </a:xfrm>
+            <a:prstGeom prst="ellipse">
+              <a:avLst/>
+            </a:prstGeom>
+            <a:noFill/>
+            <a:ln>
+              <a:solidFill>
+                <a:schemeClr val="tx1"/>
+              </a:solidFill>
+            </a:ln>
+          </p:spPr>
+          <p:style>
+            <a:lnRef idx="2">
+              <a:schemeClr val="accent1">
+                <a:shade val="50000"/>
+              </a:schemeClr>
+            </a:lnRef>
+            <a:fillRef idx="1">
+              <a:schemeClr val="accent1"/>
+            </a:fillRef>
+            <a:effectRef idx="0">
+              <a:schemeClr val="accent1"/>
+            </a:effectRef>
+            <a:fontRef idx="minor">
+              <a:schemeClr val="lt1"/>
+            </a:fontRef>
+          </p:style>
+          <p:txBody>
+            <a:bodyPr rtlCol="0" anchor="ctr"/>
+            <a:lstStyle/>
+            <a:p>
+              <a:pPr algn="ctr"/>
+              <a:r>
+                <a:rPr lang="en-US" sz="900" dirty="0">
+                  <a:solidFill>
+                    <a:schemeClr val="tx1"/>
+                  </a:solidFill>
+                </a:rPr>
+                <a:t>5</a:t>
+              </a:r>
+            </a:p>
+          </p:txBody>
+        </p:sp>
+        <p:cxnSp>
+          <p:nvCxnSpPr>
+            <p:cNvPr id="24" name="Straight Arrow Connector 23"/>
+            <p:cNvCxnSpPr>
+              <a:stCxn id="4" idx="4"/>
+              <a:endCxn id="20" idx="0"/>
+            </p:cNvCxnSpPr>
+            <p:nvPr/>
+          </p:nvCxnSpPr>
+          <p:spPr>
+            <a:xfrm flipH="1">
+              <a:off x="2322868" y="4208206"/>
+              <a:ext cx="2" cy="1150376"/>
+            </a:xfrm>
+            <a:prstGeom prst="straightConnector1">
+              <a:avLst/>
+            </a:prstGeom>
+            <a:ln>
+              <a:tailEnd type="triangle"/>
+            </a:ln>
+          </p:spPr>
+          <p:style>
+            <a:lnRef idx="1">
+              <a:schemeClr val="accent1"/>
+            </a:lnRef>
+            <a:fillRef idx="0">
+              <a:schemeClr val="accent1"/>
+            </a:fillRef>
+            <a:effectRef idx="0">
+              <a:schemeClr val="accent1"/>
+            </a:effectRef>
+            <a:fontRef idx="minor">
+              <a:schemeClr val="tx1"/>
+            </a:fontRef>
+          </p:style>
+        </p:cxnSp>
+        <p:cxnSp>
+          <p:nvCxnSpPr>
+            <p:cNvPr id="26" name="Straight Arrow Connector 25"/>
+            <p:cNvCxnSpPr>
+              <a:endCxn id="20" idx="6"/>
+            </p:cNvCxnSpPr>
+            <p:nvPr/>
+          </p:nvCxnSpPr>
+          <p:spPr>
+            <a:xfrm flipH="1">
+              <a:off x="2593255" y="5628967"/>
+              <a:ext cx="609597" cy="4919"/>
+            </a:xfrm>
+            <a:prstGeom prst="straightConnector1">
+              <a:avLst/>
+            </a:prstGeom>
+            <a:ln>
+              <a:tailEnd type="triangle"/>
+            </a:ln>
+          </p:spPr>
+          <p:style>
+            <a:lnRef idx="1">
+              <a:schemeClr val="accent1"/>
+            </a:lnRef>
+            <a:fillRef idx="0">
+              <a:schemeClr val="accent1"/>
+            </a:fillRef>
+            <a:effectRef idx="0">
+              <a:schemeClr val="accent1"/>
+            </a:effectRef>
+            <a:fontRef idx="minor">
+              <a:schemeClr val="tx1"/>
+            </a:fontRef>
+          </p:style>
+        </p:cxnSp>
+        <p:cxnSp>
+          <p:nvCxnSpPr>
+            <p:cNvPr id="28" name="Straight Arrow Connector 27"/>
+            <p:cNvCxnSpPr>
+              <a:endCxn id="20" idx="2"/>
+            </p:cNvCxnSpPr>
+            <p:nvPr/>
+          </p:nvCxnSpPr>
+          <p:spPr>
+            <a:xfrm>
+              <a:off x="1442883" y="5633884"/>
+              <a:ext cx="609597" cy="2"/>
+            </a:xfrm>
+            <a:prstGeom prst="straightConnector1">
+              <a:avLst/>
+            </a:prstGeom>
+            <a:ln>
+              <a:tailEnd type="triangle"/>
+            </a:ln>
+          </p:spPr>
+          <p:style>
+            <a:lnRef idx="1">
+              <a:schemeClr val="accent1"/>
+            </a:lnRef>
+            <a:fillRef idx="0">
+              <a:schemeClr val="accent1"/>
+            </a:fillRef>
+            <a:effectRef idx="0">
+              <a:schemeClr val="accent1"/>
+            </a:effectRef>
+            <a:fontRef idx="minor">
+              <a:schemeClr val="tx1"/>
+            </a:fontRef>
+          </p:style>
+        </p:cxnSp>
+        <p:cxnSp>
+          <p:nvCxnSpPr>
+            <p:cNvPr id="30" name="Straight Arrow Connector 29"/>
+            <p:cNvCxnSpPr>
+              <a:stCxn id="22" idx="0"/>
+              <a:endCxn id="20" idx="4"/>
+            </p:cNvCxnSpPr>
+            <p:nvPr/>
+          </p:nvCxnSpPr>
+          <p:spPr>
+            <a:xfrm flipH="1" flipV="1">
+              <a:off x="2322868" y="5909189"/>
+              <a:ext cx="2" cy="398664"/>
+            </a:xfrm>
+            <a:prstGeom prst="straightConnector1">
+              <a:avLst/>
+            </a:prstGeom>
+            <a:ln>
+              <a:tailEnd type="triangle"/>
+            </a:ln>
+          </p:spPr>
+          <p:style>
+            <a:lnRef idx="1">
+              <a:schemeClr val="accent1"/>
+            </a:lnRef>
+            <a:fillRef idx="0">
+              <a:schemeClr val="accent1"/>
+            </a:fillRef>
+            <a:effectRef idx="0">
+              <a:schemeClr val="accent1"/>
+            </a:effectRef>
+            <a:fontRef idx="minor">
+              <a:schemeClr val="tx1"/>
+            </a:fontRef>
+          </p:style>
+        </p:cxnSp>
+      </p:grpSp>
+    </p:spTree>
+    <p:extLst>
+      <p:ext uri="{BB962C8B-B14F-4D97-AF65-F5344CB8AC3E}">
+        <p14:creationId xmlns:p14="http://schemas.microsoft.com/office/powerpoint/2010/main" val="1225793092"/>
+      </p:ext>
+    </p:extLst>
+  </p:cSld>
+  <p:clrMapOvr>
+    <a:masterClrMapping/>
+  </p:clrMapOvr>
+</p:sld>
+</file>
+
 <file path=ppt/slides/slide2.xml><?xml version="1.0" encoding="utf-8"?>
 <p:sld xmlns:a="http://schemas.openxmlformats.org/drawingml/2006/main" xmlns:r="http://schemas.openxmlformats.org/officeDocument/2006/relationships" xmlns:p="http://schemas.openxmlformats.org/presentationml/2006/main">
   <p:cSld>
@@ -3895,6 +5448,114 @@
     <p:extLst>
       <p:ext uri="{BB962C8B-B14F-4D97-AF65-F5344CB8AC3E}">
         <p14:creationId xmlns:p14="http://schemas.microsoft.com/office/powerpoint/2010/main" val="1836946079"/>
+      </p:ext>
+    </p:extLst>
+  </p:cSld>
+  <p:clrMapOvr>
+    <a:masterClrMapping/>
+  </p:clrMapOvr>
+</p:sld>
+</file>
+
+<file path=ppt/slides/slide20.xml><?xml version="1.0" encoding="utf-8"?>
+<p:sld xmlns:a="http://schemas.openxmlformats.org/drawingml/2006/main" xmlns:r="http://schemas.openxmlformats.org/officeDocument/2006/relationships" xmlns:p="http://schemas.openxmlformats.org/presentationml/2006/main">
+  <p:cSld>
+    <p:spTree>
+      <p:nvGrpSpPr>
+        <p:cNvPr id="1" name=""/>
+        <p:cNvGrpSpPr/>
+        <p:nvPr/>
+      </p:nvGrpSpPr>
+      <p:grpSpPr>
+        <a:xfrm>
+          <a:off x="0" y="0"/>
+          <a:ext cx="0" cy="0"/>
+          <a:chOff x="0" y="0"/>
+          <a:chExt cx="0" cy="0"/>
+        </a:xfrm>
+      </p:grpSpPr>
+      <p:sp>
+        <p:nvSpPr>
+          <p:cNvPr id="2" name="Title 1"/>
+          <p:cNvSpPr>
+            <a:spLocks noGrp="1"/>
+          </p:cNvSpPr>
+          <p:nvPr>
+            <p:ph type="title"/>
+          </p:nvPr>
+        </p:nvSpPr>
+        <p:spPr/>
+        <p:txBody>
+          <a:bodyPr/>
+          <a:lstStyle/>
+          <a:p>
+            <a:r>
+              <a:rPr lang="en-US" dirty="0"/>
+              <a:t>Conclusion</a:t>
+            </a:r>
+          </a:p>
+        </p:txBody>
+      </p:sp>
+      <p:sp>
+        <p:nvSpPr>
+          <p:cNvPr id="3" name="Content Placeholder 2"/>
+          <p:cNvSpPr>
+            <a:spLocks noGrp="1"/>
+          </p:cNvSpPr>
+          <p:nvPr>
+            <p:ph idx="1"/>
+          </p:nvPr>
+        </p:nvSpPr>
+        <p:spPr/>
+        <p:txBody>
+          <a:bodyPr>
+            <a:normAutofit fontScale="92500" lnSpcReduction="10000"/>
+          </a:bodyPr>
+          <a:lstStyle/>
+          <a:p>
+            <a:r>
+              <a:rPr lang="en-US" dirty="0"/>
+              <a:t>We were, to a good accuracy, able to predict the counts as is required by the re-balancing problem.</a:t>
+            </a:r>
+          </a:p>
+          <a:p>
+            <a:r>
+              <a:rPr lang="en-US" dirty="0"/>
+              <a:t>We however, leave the re-balancing to future work.</a:t>
+            </a:r>
+          </a:p>
+          <a:p>
+            <a:r>
+              <a:rPr lang="en-US" dirty="0"/>
+              <a:t>The major challenge was to be able to fine tune our models with various types of training and testing models (even certain classification techniques such as “K-NN”)</a:t>
+            </a:r>
+          </a:p>
+          <a:p>
+            <a:r>
+              <a:rPr lang="en-US" dirty="0"/>
+              <a:t>In the end, we got satisfactory results but such count prediction is still a challenge:</a:t>
+            </a:r>
+          </a:p>
+          <a:p>
+            <a:pPr lvl="1"/>
+            <a:r>
+              <a:rPr lang="en-US" dirty="0"/>
+              <a:t>This is because large variations in the bike flow do not happen as often and hence pose as outliers which are very difficult to be included in prediction.</a:t>
+            </a:r>
+          </a:p>
+          <a:p>
+            <a:pPr lvl="1"/>
+            <a:r>
+              <a:rPr lang="en-US" dirty="0"/>
+              <a:t>Therefore, it is important to understand requirements suited to the specific problem set and fine tune your model accordingly for best results</a:t>
+            </a:r>
+          </a:p>
+        </p:txBody>
+      </p:sp>
+    </p:spTree>
+    <p:extLst>
+      <p:ext uri="{BB962C8B-B14F-4D97-AF65-F5344CB8AC3E}">
+        <p14:creationId xmlns:p14="http://schemas.microsoft.com/office/powerpoint/2010/main" val="748556132"/>
       </p:ext>
     </p:extLst>
   </p:cSld>
@@ -5034,4 +6695,299 @@
     </a:ext>
   </a:extLst>
 </a:theme>
+</file>
+
+<file path=ppt/theme/theme2.xml><?xml version="1.0" encoding="utf-8"?>
+<a:theme xmlns:a="http://schemas.openxmlformats.org/drawingml/2006/main" name="Office Theme">
+  <a:themeElements>
+    <a:clrScheme name="Office">
+      <a:dk1>
+        <a:sysClr val="windowText" lastClr="000000"/>
+      </a:dk1>
+      <a:lt1>
+        <a:sysClr val="window" lastClr="FFFFFF"/>
+      </a:lt1>
+      <a:dk2>
+        <a:srgbClr val="44546A"/>
+      </a:dk2>
+      <a:lt2>
+        <a:srgbClr val="E7E6E6"/>
+      </a:lt2>
+      <a:accent1>
+        <a:srgbClr val="5B9BD5"/>
+      </a:accent1>
+      <a:accent2>
+        <a:srgbClr val="ED7D31"/>
+      </a:accent2>
+      <a:accent3>
+        <a:srgbClr val="A5A5A5"/>
+      </a:accent3>
+      <a:accent4>
+        <a:srgbClr val="FFC000"/>
+      </a:accent4>
+      <a:accent5>
+        <a:srgbClr val="4472C4"/>
+      </a:accent5>
+      <a:accent6>
+        <a:srgbClr val="70AD47"/>
+      </a:accent6>
+      <a:hlink>
+        <a:srgbClr val="0563C1"/>
+      </a:hlink>
+      <a:folHlink>
+        <a:srgbClr val="954F72"/>
+      </a:folHlink>
+    </a:clrScheme>
+    <a:fontScheme name="Office">
+      <a:majorFont>
+        <a:latin typeface="Calibri Light" panose="020F0302020204030204"/>
+        <a:ea typeface=""/>
+        <a:cs typeface=""/>
+        <a:font script="Jpan" typeface="游ゴシック Light"/>
+        <a:font script="Hang" typeface="맑은 고딕"/>
+        <a:font script="Hans" typeface="等线 Light"/>
+        <a:font script="Hant" typeface="新細明體"/>
+        <a:font script="Arab" typeface="Times New Roman"/>
+        <a:font script="Hebr" typeface="Times New Roman"/>
+        <a:font script="Thai" typeface="Angsana New"/>
+        <a:font script="Ethi" typeface="Nyala"/>
+        <a:font script="Beng" typeface="Vrinda"/>
+        <a:font script="Gujr" typeface="Shruti"/>
+        <a:font script="Khmr" typeface="MoolBoran"/>
+        <a:font script="Knda" typeface="Tunga"/>
+        <a:font script="Guru" typeface="Raavi"/>
+        <a:font script="Cans" typeface="Euphemia"/>
+        <a:font script="Cher" typeface="Plantagenet Cherokee"/>
+        <a:font script="Yiii" typeface="Microsoft Yi Baiti"/>
+        <a:font script="Tibt" typeface="Microsoft Himalaya"/>
+        <a:font script="Thaa" typeface="MV Boli"/>
+        <a:font script="Deva" typeface="Mangal"/>
+        <a:font script="Telu" typeface="Gautami"/>
+        <a:font script="Taml" typeface="Latha"/>
+        <a:font script="Syrc" typeface="Estrangelo Edessa"/>
+        <a:font script="Orya" typeface="Kalinga"/>
+        <a:font script="Mlym" typeface="Kartika"/>
+        <a:font script="Laoo" typeface="DokChampa"/>
+        <a:font script="Sinh" typeface="Iskoola Pota"/>
+        <a:font script="Mong" typeface="Mongolian Baiti"/>
+        <a:font script="Viet" typeface="Times New Roman"/>
+        <a:font script="Uigh" typeface="Microsoft Uighur"/>
+        <a:font script="Geor" typeface="Sylfaen"/>
+        <a:font script="Armn" typeface="Arial"/>
+        <a:font script="Bugi" typeface="Leelawadee UI"/>
+        <a:font script="Bopo" typeface="Microsoft JhengHei"/>
+        <a:font script="Java" typeface="Javanese Text"/>
+        <a:font script="Lisu" typeface="Segoe UI"/>
+        <a:font script="Mymr" typeface="Myanmar Text"/>
+        <a:font script="Nkoo" typeface="Ebrima"/>
+        <a:font script="Olck" typeface="Nirmala UI"/>
+        <a:font script="Osma" typeface="Ebrima"/>
+        <a:font script="Phag" typeface="Phagspa"/>
+        <a:font script="Syrn" typeface="Estrangelo Edessa"/>
+        <a:font script="Syrj" typeface="Estrangelo Edessa"/>
+        <a:font script="Syre" typeface="Estrangelo Edessa"/>
+        <a:font script="Sora" typeface="Nirmala UI"/>
+        <a:font script="Tale" typeface="Microsoft Tai Le"/>
+        <a:font script="Talu" typeface="Microsoft New Tai Lue"/>
+        <a:font script="Tfng" typeface="Ebrima"/>
+      </a:majorFont>
+      <a:minorFont>
+        <a:latin typeface="Calibri" panose="020F0502020204030204"/>
+        <a:ea typeface=""/>
+        <a:cs typeface=""/>
+        <a:font script="Jpan" typeface="游ゴシック"/>
+        <a:font script="Hang" typeface="맑은 고딕"/>
+        <a:font script="Hans" typeface="等线"/>
+        <a:font script="Hant" typeface="新細明體"/>
+        <a:font script="Arab" typeface="Arial"/>
+        <a:font script="Hebr" typeface="Arial"/>
+        <a:font script="Thai" typeface="Cordia New"/>
+        <a:font script="Ethi" typeface="Nyala"/>
+        <a:font script="Beng" typeface="Vrinda"/>
+        <a:font script="Gujr" typeface="Shruti"/>
+        <a:font script="Khmr" typeface="DaunPenh"/>
+        <a:font script="Knda" typeface="Tunga"/>
+        <a:font script="Guru" typeface="Raavi"/>
+        <a:font script="Cans" typeface="Euphemia"/>
+        <a:font script="Cher" typeface="Plantagenet Cherokee"/>
+        <a:font script="Yiii" typeface="Microsoft Yi Baiti"/>
+        <a:font script="Tibt" typeface="Microsoft Himalaya"/>
+        <a:font script="Thaa" typeface="MV Boli"/>
+        <a:font script="Deva" typeface="Mangal"/>
+        <a:font script="Telu" typeface="Gautami"/>
+        <a:font script="Taml" typeface="Latha"/>
+        <a:font script="Syrc" typeface="Estrangelo Edessa"/>
+        <a:font script="Orya" typeface="Kalinga"/>
+        <a:font script="Mlym" typeface="Kartika"/>
+        <a:font script="Laoo" typeface="DokChampa"/>
+        <a:font script="Sinh" typeface="Iskoola Pota"/>
+        <a:font script="Mong" typeface="Mongolian Baiti"/>
+        <a:font script="Viet" typeface="Arial"/>
+        <a:font script="Uigh" typeface="Microsoft Uighur"/>
+        <a:font script="Geor" typeface="Sylfaen"/>
+        <a:font script="Armn" typeface="Arial"/>
+        <a:font script="Bugi" typeface="Leelawadee UI"/>
+        <a:font script="Bopo" typeface="Microsoft JhengHei"/>
+        <a:font script="Java" typeface="Javanese Text"/>
+        <a:font script="Lisu" typeface="Segoe UI"/>
+        <a:font script="Mymr" typeface="Myanmar Text"/>
+        <a:font script="Nkoo" typeface="Ebrima"/>
+        <a:font script="Olck" typeface="Nirmala UI"/>
+        <a:font script="Osma" typeface="Ebrima"/>
+        <a:font script="Phag" typeface="Phagspa"/>
+        <a:font script="Syrn" typeface="Estrangelo Edessa"/>
+        <a:font script="Syrj" typeface="Estrangelo Edessa"/>
+        <a:font script="Syre" typeface="Estrangelo Edessa"/>
+        <a:font script="Sora" typeface="Nirmala UI"/>
+        <a:font script="Tale" typeface="Microsoft Tai Le"/>
+        <a:font script="Talu" typeface="Microsoft New Tai Lue"/>
+        <a:font script="Tfng" typeface="Ebrima"/>
+      </a:minorFont>
+    </a:fontScheme>
+    <a:fmtScheme name="Office">
+      <a:fillStyleLst>
+        <a:solidFill>
+          <a:schemeClr val="phClr"/>
+        </a:solidFill>
+        <a:gradFill rotWithShape="1">
+          <a:gsLst>
+            <a:gs pos="0">
+              <a:schemeClr val="phClr">
+                <a:lumMod val="110000"/>
+                <a:satMod val="105000"/>
+                <a:tint val="67000"/>
+              </a:schemeClr>
+            </a:gs>
+            <a:gs pos="50000">
+              <a:schemeClr val="phClr">
+                <a:lumMod val="105000"/>
+                <a:satMod val="103000"/>
+                <a:tint val="73000"/>
+              </a:schemeClr>
+            </a:gs>
+            <a:gs pos="100000">
+              <a:schemeClr val="phClr">
+                <a:lumMod val="105000"/>
+                <a:satMod val="109000"/>
+                <a:tint val="81000"/>
+              </a:schemeClr>
+            </a:gs>
+          </a:gsLst>
+          <a:lin ang="5400000" scaled="0"/>
+        </a:gradFill>
+        <a:gradFill rotWithShape="1">
+          <a:gsLst>
+            <a:gs pos="0">
+              <a:schemeClr val="phClr">
+                <a:satMod val="103000"/>
+                <a:lumMod val="102000"/>
+                <a:tint val="94000"/>
+              </a:schemeClr>
+            </a:gs>
+            <a:gs pos="50000">
+              <a:schemeClr val="phClr">
+                <a:satMod val="110000"/>
+                <a:lumMod val="100000"/>
+                <a:shade val="100000"/>
+              </a:schemeClr>
+            </a:gs>
+            <a:gs pos="100000">
+              <a:schemeClr val="phClr">
+                <a:lumMod val="99000"/>
+                <a:satMod val="120000"/>
+                <a:shade val="78000"/>
+              </a:schemeClr>
+            </a:gs>
+          </a:gsLst>
+          <a:lin ang="5400000" scaled="0"/>
+        </a:gradFill>
+      </a:fillStyleLst>
+      <a:lnStyleLst>
+        <a:ln w="6350" cap="flat" cmpd="sng" algn="ctr">
+          <a:solidFill>
+            <a:schemeClr val="phClr"/>
+          </a:solidFill>
+          <a:prstDash val="solid"/>
+          <a:miter lim="800000"/>
+        </a:ln>
+        <a:ln w="12700" cap="flat" cmpd="sng" algn="ctr">
+          <a:solidFill>
+            <a:schemeClr val="phClr"/>
+          </a:solidFill>
+          <a:prstDash val="solid"/>
+          <a:miter lim="800000"/>
+        </a:ln>
+        <a:ln w="19050" cap="flat" cmpd="sng" algn="ctr">
+          <a:solidFill>
+            <a:schemeClr val="phClr"/>
+          </a:solidFill>
+          <a:prstDash val="solid"/>
+          <a:miter lim="800000"/>
+        </a:ln>
+      </a:lnStyleLst>
+      <a:effectStyleLst>
+        <a:effectStyle>
+          <a:effectLst/>
+        </a:effectStyle>
+        <a:effectStyle>
+          <a:effectLst/>
+        </a:effectStyle>
+        <a:effectStyle>
+          <a:effectLst>
+            <a:outerShdw blurRad="57150" dist="19050" dir="5400000" algn="ctr" rotWithShape="0">
+              <a:srgbClr val="000000">
+                <a:alpha val="63000"/>
+              </a:srgbClr>
+            </a:outerShdw>
+          </a:effectLst>
+        </a:effectStyle>
+      </a:effectStyleLst>
+      <a:bgFillStyleLst>
+        <a:solidFill>
+          <a:schemeClr val="phClr"/>
+        </a:solidFill>
+        <a:solidFill>
+          <a:schemeClr val="phClr">
+            <a:tint val="95000"/>
+            <a:satMod val="170000"/>
+          </a:schemeClr>
+        </a:solidFill>
+        <a:gradFill rotWithShape="1">
+          <a:gsLst>
+            <a:gs pos="0">
+              <a:schemeClr val="phClr">
+                <a:tint val="93000"/>
+                <a:satMod val="150000"/>
+                <a:shade val="98000"/>
+                <a:lumMod val="102000"/>
+              </a:schemeClr>
+            </a:gs>
+            <a:gs pos="50000">
+              <a:schemeClr val="phClr">
+                <a:tint val="98000"/>
+                <a:satMod val="130000"/>
+                <a:shade val="90000"/>
+                <a:lumMod val="103000"/>
+              </a:schemeClr>
+            </a:gs>
+            <a:gs pos="100000">
+              <a:schemeClr val="phClr">
+                <a:shade val="63000"/>
+                <a:satMod val="120000"/>
+              </a:schemeClr>
+            </a:gs>
+          </a:gsLst>
+          <a:lin ang="5400000" scaled="0"/>
+        </a:gradFill>
+      </a:bgFillStyleLst>
+    </a:fmtScheme>
+  </a:themeElements>
+  <a:objectDefaults/>
+  <a:extraClrSchemeLst/>
+  <a:extLst>
+    <a:ext uri="{05A4C25C-085E-4340-85A3-A5531E510DB2}">
+      <thm15:themeFamily xmlns:thm15="http://schemas.microsoft.com/office/thememl/2012/main" name="Office Theme" id="{62F939B6-93AF-4DB8-9C6B-D6C7DFDC589F}" vid="{4A3C46E8-61CC-4603-A589-7422A47A8E4A}"/>
+    </a:ext>
+  </a:extLst>
+</a:theme>
 </file>